--- a/Weekly/汇报/O2E-TU-2_汇报_0524.pptx
+++ b/Weekly/汇报/O2E-TU-2_汇报_0524.pptx
@@ -5,27 +5,27 @@
     <p:sldMasterId id="2147483648" r:id="rId1"/>
   </p:sldMasterIdLst>
   <p:notesMasterIdLst>
-    <p:notesMasterId r:id="rId6"/>
+    <p:notesMasterId r:id="rId15"/>
   </p:notesMasterIdLst>
   <p:sldIdLst>
-    <p:sldId id="256" r:id="rId3"/>
-    <p:sldId id="258" r:id="rId4"/>
-    <p:sldId id="265" r:id="rId5"/>
-    <p:sldId id="267" r:id="rId7"/>
-    <p:sldId id="268" r:id="rId8"/>
-    <p:sldId id="259" r:id="rId9"/>
-    <p:sldId id="260" r:id="rId10"/>
-    <p:sldId id="276" r:id="rId11"/>
-    <p:sldId id="262" r:id="rId12"/>
-    <p:sldId id="263" r:id="rId13"/>
-    <p:sldId id="264" r:id="rId14"/>
-    <p:sldId id="269" r:id="rId15"/>
-    <p:sldId id="270" r:id="rId16"/>
+    <p:sldId id="256" r:id="rId2"/>
+    <p:sldId id="258" r:id="rId3"/>
+    <p:sldId id="265" r:id="rId4"/>
+    <p:sldId id="267" r:id="rId5"/>
+    <p:sldId id="268" r:id="rId6"/>
+    <p:sldId id="259" r:id="rId7"/>
+    <p:sldId id="260" r:id="rId8"/>
+    <p:sldId id="276" r:id="rId9"/>
+    <p:sldId id="262" r:id="rId10"/>
+    <p:sldId id="263" r:id="rId11"/>
+    <p:sldId id="264" r:id="rId12"/>
+    <p:sldId id="269" r:id="rId13"/>
+    <p:sldId id="270" r:id="rId14"/>
   </p:sldIdLst>
   <p:sldSz cx="12192000" cy="6858000"/>
   <p:notesSz cx="6858000" cy="9144000"/>
   <p:custDataLst>
-    <p:tags r:id="rId20"/>
+    <p:tags r:id="rId16"/>
   </p:custDataLst>
   <p:defaultTextStyle>
     <a:defPPr>
@@ -122,6 +122,11 @@
       </a:defRPr>
     </a:lvl9pPr>
   </p:defaultTextStyle>
+  <p:extLst>
+    <p:ext uri="{EFAFB233-063F-42B5-8137-9DF3F51BA10A}">
+      <p15:sldGuideLst xmlns:p15="http://schemas.microsoft.com/office/powerpoint/2012/main"/>
+    </p:ext>
+  </p:extLst>
 </p:presentation>
 </file>
 
@@ -207,6 +212,7 @@
           <a:p>
             <a:fld id="{D2A48B96-639E-45A3-A0BA-2464DFDB1FAA}" type="datetimeFigureOut">
               <a:rPr lang="zh-CN" altLang="en-US" smtClean="0"/>
+              <a:t>2022/6/7</a:t>
             </a:fld>
             <a:endParaRPr lang="zh-CN" altLang="en-US"/>
           </a:p>
@@ -270,42 +276,37 @@
           <a:p>
             <a:pPr lvl="0"/>
             <a:r>
-              <a:rPr lang="zh-CN" altLang="en-US" smtClean="0"/>
+              <a:rPr lang="zh-CN" altLang="en-US"/>
               <a:t>单击此处编辑母版文本样式</a:t>
             </a:r>
-            <a:endParaRPr lang="zh-CN" altLang="en-US" smtClean="0"/>
           </a:p>
           <a:p>
             <a:pPr lvl="1"/>
             <a:r>
-              <a:rPr lang="zh-CN" altLang="en-US" smtClean="0"/>
+              <a:rPr lang="zh-CN" altLang="en-US"/>
               <a:t>第二级</a:t>
             </a:r>
-            <a:endParaRPr lang="zh-CN" altLang="en-US" smtClean="0"/>
           </a:p>
           <a:p>
             <a:pPr lvl="2"/>
             <a:r>
-              <a:rPr lang="zh-CN" altLang="en-US" smtClean="0"/>
+              <a:rPr lang="zh-CN" altLang="en-US"/>
               <a:t>第三级</a:t>
             </a:r>
-            <a:endParaRPr lang="zh-CN" altLang="en-US" smtClean="0"/>
           </a:p>
           <a:p>
             <a:pPr lvl="3"/>
             <a:r>
-              <a:rPr lang="zh-CN" altLang="en-US" smtClean="0"/>
+              <a:rPr lang="zh-CN" altLang="en-US"/>
               <a:t>第四级</a:t>
             </a:r>
-            <a:endParaRPr lang="zh-CN" altLang="en-US" smtClean="0"/>
           </a:p>
           <a:p>
             <a:pPr lvl="4"/>
             <a:r>
-              <a:rPr lang="zh-CN" altLang="en-US" smtClean="0"/>
+              <a:rPr lang="zh-CN" altLang="en-US"/>
               <a:t>第五级</a:t>
             </a:r>
-            <a:endParaRPr lang="zh-CN" altLang="en-US"/>
           </a:p>
         </p:txBody>
       </p:sp>
@@ -369,6 +370,7 @@
           <a:p>
             <a:fld id="{A6837353-30EB-4A48-80EB-173D804AEFBD}" type="slidenum">
               <a:rPr lang="zh-CN" altLang="en-US" smtClean="0"/>
+              <a:t>‹#›</a:t>
             </a:fld>
             <a:endParaRPr lang="zh-CN" altLang="en-US"/>
           </a:p>
@@ -850,10 +852,9 @@
           </a:lstStyle>
           <a:p>
             <a:r>
-              <a:rPr lang="zh-CN" altLang="en-US" smtClean="0"/>
+              <a:rPr lang="zh-CN" altLang="en-US"/>
               <a:t>单击此处编辑母版标题样式</a:t>
             </a:r>
-            <a:endParaRPr lang="zh-CN" altLang="en-US"/>
           </a:p>
         </p:txBody>
       </p:sp>
@@ -915,10 +916,9 @@
           </a:lstStyle>
           <a:p>
             <a:r>
-              <a:rPr lang="zh-CN" altLang="en-US" smtClean="0"/>
+              <a:rPr lang="zh-CN" altLang="en-US"/>
               <a:t>单击此处编辑母版副标题样式</a:t>
             </a:r>
-            <a:endParaRPr lang="zh-CN" altLang="en-US"/>
           </a:p>
         </p:txBody>
       </p:sp>
@@ -939,6 +939,7 @@
           <a:p>
             <a:fld id="{D997B5FA-0921-464F-AAE1-844C04324D75}" type="datetimeFigureOut">
               <a:rPr lang="zh-CN" altLang="en-US" smtClean="0"/>
+              <a:t>2022/6/7</a:t>
             </a:fld>
             <a:endParaRPr lang="zh-CN" altLang="en-US"/>
           </a:p>
@@ -980,6 +981,7 @@
           <a:p>
             <a:fld id="{565CE74E-AB26-4998-AD42-012C4C1AD076}" type="slidenum">
               <a:rPr lang="zh-CN" altLang="en-US" smtClean="0"/>
+              <a:t>‹#›</a:t>
             </a:fld>
             <a:endParaRPr lang="zh-CN" altLang="en-US"/>
           </a:p>
@@ -1026,10 +1028,9 @@
           <a:lstStyle/>
           <a:p>
             <a:r>
-              <a:rPr lang="zh-CN" altLang="en-US" smtClean="0"/>
+              <a:rPr lang="zh-CN" altLang="en-US"/>
               <a:t>单击此处编辑母版标题样式</a:t>
             </a:r>
-            <a:endParaRPr lang="zh-CN" altLang="en-US"/>
           </a:p>
         </p:txBody>
       </p:sp>
@@ -1050,42 +1051,37 @@
           <a:p>
             <a:pPr lvl="0"/>
             <a:r>
-              <a:rPr lang="zh-CN" altLang="en-US" smtClean="0"/>
+              <a:rPr lang="zh-CN" altLang="en-US"/>
               <a:t>单击此处编辑母版文本样式</a:t>
             </a:r>
-            <a:endParaRPr lang="zh-CN" altLang="en-US" smtClean="0"/>
           </a:p>
           <a:p>
             <a:pPr lvl="1"/>
             <a:r>
-              <a:rPr lang="zh-CN" altLang="en-US" smtClean="0"/>
+              <a:rPr lang="zh-CN" altLang="en-US"/>
               <a:t>第二级</a:t>
             </a:r>
-            <a:endParaRPr lang="zh-CN" altLang="en-US" smtClean="0"/>
           </a:p>
           <a:p>
             <a:pPr lvl="2"/>
             <a:r>
-              <a:rPr lang="zh-CN" altLang="en-US" smtClean="0"/>
+              <a:rPr lang="zh-CN" altLang="en-US"/>
               <a:t>第三级</a:t>
             </a:r>
-            <a:endParaRPr lang="zh-CN" altLang="en-US" smtClean="0"/>
           </a:p>
           <a:p>
             <a:pPr lvl="3"/>
             <a:r>
-              <a:rPr lang="zh-CN" altLang="en-US" smtClean="0"/>
+              <a:rPr lang="zh-CN" altLang="en-US"/>
               <a:t>第四级</a:t>
             </a:r>
-            <a:endParaRPr lang="zh-CN" altLang="en-US" smtClean="0"/>
           </a:p>
           <a:p>
             <a:pPr lvl="4"/>
             <a:r>
-              <a:rPr lang="zh-CN" altLang="en-US" smtClean="0"/>
+              <a:rPr lang="zh-CN" altLang="en-US"/>
               <a:t>第五级</a:t>
             </a:r>
-            <a:endParaRPr lang="zh-CN" altLang="en-US"/>
           </a:p>
         </p:txBody>
       </p:sp>
@@ -1106,6 +1102,7 @@
           <a:p>
             <a:fld id="{D997B5FA-0921-464F-AAE1-844C04324D75}" type="datetimeFigureOut">
               <a:rPr lang="zh-CN" altLang="en-US" smtClean="0"/>
+              <a:t>2022/6/7</a:t>
             </a:fld>
             <a:endParaRPr lang="zh-CN" altLang="en-US"/>
           </a:p>
@@ -1147,6 +1144,7 @@
           <a:p>
             <a:fld id="{565CE74E-AB26-4998-AD42-012C4C1AD076}" type="slidenum">
               <a:rPr lang="zh-CN" altLang="en-US" smtClean="0"/>
+              <a:t>‹#›</a:t>
             </a:fld>
             <a:endParaRPr lang="zh-CN" altLang="en-US"/>
           </a:p>
@@ -1198,10 +1196,9 @@
           <a:lstStyle/>
           <a:p>
             <a:r>
-              <a:rPr lang="zh-CN" altLang="en-US" smtClean="0"/>
+              <a:rPr lang="zh-CN" altLang="en-US"/>
               <a:t>单击此处编辑母版标题样式</a:t>
             </a:r>
-            <a:endParaRPr lang="zh-CN" altLang="en-US"/>
           </a:p>
         </p:txBody>
       </p:sp>
@@ -1227,42 +1224,37 @@
           <a:p>
             <a:pPr lvl="0"/>
             <a:r>
-              <a:rPr lang="zh-CN" altLang="en-US" smtClean="0"/>
+              <a:rPr lang="zh-CN" altLang="en-US"/>
               <a:t>单击此处编辑母版文本样式</a:t>
             </a:r>
-            <a:endParaRPr lang="zh-CN" altLang="en-US" smtClean="0"/>
           </a:p>
           <a:p>
             <a:pPr lvl="1"/>
             <a:r>
-              <a:rPr lang="zh-CN" altLang="en-US" smtClean="0"/>
+              <a:rPr lang="zh-CN" altLang="en-US"/>
               <a:t>第二级</a:t>
             </a:r>
-            <a:endParaRPr lang="zh-CN" altLang="en-US" smtClean="0"/>
           </a:p>
           <a:p>
             <a:pPr lvl="2"/>
             <a:r>
-              <a:rPr lang="zh-CN" altLang="en-US" smtClean="0"/>
+              <a:rPr lang="zh-CN" altLang="en-US"/>
               <a:t>第三级</a:t>
             </a:r>
-            <a:endParaRPr lang="zh-CN" altLang="en-US" smtClean="0"/>
           </a:p>
           <a:p>
             <a:pPr lvl="3"/>
             <a:r>
-              <a:rPr lang="zh-CN" altLang="en-US" smtClean="0"/>
+              <a:rPr lang="zh-CN" altLang="en-US"/>
               <a:t>第四级</a:t>
             </a:r>
-            <a:endParaRPr lang="zh-CN" altLang="en-US" smtClean="0"/>
           </a:p>
           <a:p>
             <a:pPr lvl="4"/>
             <a:r>
-              <a:rPr lang="zh-CN" altLang="en-US" smtClean="0"/>
+              <a:rPr lang="zh-CN" altLang="en-US"/>
               <a:t>第五级</a:t>
             </a:r>
-            <a:endParaRPr lang="zh-CN" altLang="en-US"/>
           </a:p>
         </p:txBody>
       </p:sp>
@@ -1283,6 +1275,7 @@
           <a:p>
             <a:fld id="{D997B5FA-0921-464F-AAE1-844C04324D75}" type="datetimeFigureOut">
               <a:rPr lang="zh-CN" altLang="en-US" smtClean="0"/>
+              <a:t>2022/6/7</a:t>
             </a:fld>
             <a:endParaRPr lang="zh-CN" altLang="en-US"/>
           </a:p>
@@ -1324,6 +1317,7 @@
           <a:p>
             <a:fld id="{565CE74E-AB26-4998-AD42-012C4C1AD076}" type="slidenum">
               <a:rPr lang="zh-CN" altLang="en-US" smtClean="0"/>
+              <a:t>‹#›</a:t>
             </a:fld>
             <a:endParaRPr lang="zh-CN" altLang="en-US"/>
           </a:p>
@@ -1370,10 +1364,9 @@
           <a:lstStyle/>
           <a:p>
             <a:r>
-              <a:rPr lang="zh-CN" altLang="en-US" smtClean="0"/>
+              <a:rPr lang="zh-CN" altLang="en-US"/>
               <a:t>单击此处编辑母版标题样式</a:t>
             </a:r>
-            <a:endParaRPr lang="zh-CN" altLang="en-US"/>
           </a:p>
         </p:txBody>
       </p:sp>
@@ -1394,42 +1387,37 @@
           <a:p>
             <a:pPr lvl="0"/>
             <a:r>
-              <a:rPr lang="zh-CN" altLang="en-US" smtClean="0"/>
+              <a:rPr lang="zh-CN" altLang="en-US"/>
               <a:t>单击此处编辑母版文本样式</a:t>
             </a:r>
-            <a:endParaRPr lang="zh-CN" altLang="en-US" smtClean="0"/>
           </a:p>
           <a:p>
             <a:pPr lvl="1"/>
             <a:r>
-              <a:rPr lang="zh-CN" altLang="en-US" smtClean="0"/>
+              <a:rPr lang="zh-CN" altLang="en-US"/>
               <a:t>第二级</a:t>
             </a:r>
-            <a:endParaRPr lang="zh-CN" altLang="en-US" smtClean="0"/>
           </a:p>
           <a:p>
             <a:pPr lvl="2"/>
             <a:r>
-              <a:rPr lang="zh-CN" altLang="en-US" smtClean="0"/>
+              <a:rPr lang="zh-CN" altLang="en-US"/>
               <a:t>第三级</a:t>
             </a:r>
-            <a:endParaRPr lang="zh-CN" altLang="en-US" smtClean="0"/>
           </a:p>
           <a:p>
             <a:pPr lvl="3"/>
             <a:r>
-              <a:rPr lang="zh-CN" altLang="en-US" smtClean="0"/>
+              <a:rPr lang="zh-CN" altLang="en-US"/>
               <a:t>第四级</a:t>
             </a:r>
-            <a:endParaRPr lang="zh-CN" altLang="en-US" smtClean="0"/>
           </a:p>
           <a:p>
             <a:pPr lvl="4"/>
             <a:r>
-              <a:rPr lang="zh-CN" altLang="en-US" smtClean="0"/>
+              <a:rPr lang="zh-CN" altLang="en-US"/>
               <a:t>第五级</a:t>
             </a:r>
-            <a:endParaRPr lang="zh-CN" altLang="en-US"/>
           </a:p>
         </p:txBody>
       </p:sp>
@@ -1450,6 +1438,7 @@
           <a:p>
             <a:fld id="{D997B5FA-0921-464F-AAE1-844C04324D75}" type="datetimeFigureOut">
               <a:rPr lang="zh-CN" altLang="en-US" smtClean="0"/>
+              <a:t>2022/6/7</a:t>
             </a:fld>
             <a:endParaRPr lang="zh-CN" altLang="en-US"/>
           </a:p>
@@ -1491,6 +1480,7 @@
           <a:p>
             <a:fld id="{565CE74E-AB26-4998-AD42-012C4C1AD076}" type="slidenum">
               <a:rPr lang="zh-CN" altLang="en-US" smtClean="0"/>
+              <a:t>‹#›</a:t>
             </a:fld>
             <a:endParaRPr lang="zh-CN" altLang="en-US"/>
           </a:p>
@@ -1546,10 +1536,9 @@
           </a:lstStyle>
           <a:p>
             <a:r>
-              <a:rPr lang="zh-CN" altLang="en-US" smtClean="0"/>
+              <a:rPr lang="zh-CN" altLang="en-US"/>
               <a:t>单击此处编辑母版标题样式</a:t>
             </a:r>
-            <a:endParaRPr lang="zh-CN" altLang="en-US"/>
           </a:p>
         </p:txBody>
       </p:sp>
@@ -1666,10 +1655,9 @@
           <a:p>
             <a:pPr lvl="0"/>
             <a:r>
-              <a:rPr lang="zh-CN" altLang="en-US" smtClean="0"/>
+              <a:rPr lang="zh-CN" altLang="en-US"/>
               <a:t>单击此处编辑母版文本样式</a:t>
             </a:r>
-            <a:endParaRPr lang="zh-CN" altLang="en-US" smtClean="0"/>
           </a:p>
         </p:txBody>
       </p:sp>
@@ -1690,6 +1678,7 @@
           <a:p>
             <a:fld id="{D997B5FA-0921-464F-AAE1-844C04324D75}" type="datetimeFigureOut">
               <a:rPr lang="zh-CN" altLang="en-US" smtClean="0"/>
+              <a:t>2022/6/7</a:t>
             </a:fld>
             <a:endParaRPr lang="zh-CN" altLang="en-US"/>
           </a:p>
@@ -1731,6 +1720,7 @@
           <a:p>
             <a:fld id="{565CE74E-AB26-4998-AD42-012C4C1AD076}" type="slidenum">
               <a:rPr lang="zh-CN" altLang="en-US" smtClean="0"/>
+              <a:t>‹#›</a:t>
             </a:fld>
             <a:endParaRPr lang="zh-CN" altLang="en-US"/>
           </a:p>
@@ -1777,10 +1767,9 @@
           <a:lstStyle/>
           <a:p>
             <a:r>
-              <a:rPr lang="zh-CN" altLang="en-US" smtClean="0"/>
+              <a:rPr lang="zh-CN" altLang="en-US"/>
               <a:t>单击此处编辑母版标题样式</a:t>
             </a:r>
-            <a:endParaRPr lang="zh-CN" altLang="en-US"/>
           </a:p>
         </p:txBody>
       </p:sp>
@@ -1806,42 +1795,37 @@
           <a:p>
             <a:pPr lvl="0"/>
             <a:r>
-              <a:rPr lang="zh-CN" altLang="en-US" smtClean="0"/>
+              <a:rPr lang="zh-CN" altLang="en-US"/>
               <a:t>单击此处编辑母版文本样式</a:t>
             </a:r>
-            <a:endParaRPr lang="zh-CN" altLang="en-US" smtClean="0"/>
           </a:p>
           <a:p>
             <a:pPr lvl="1"/>
             <a:r>
-              <a:rPr lang="zh-CN" altLang="en-US" smtClean="0"/>
+              <a:rPr lang="zh-CN" altLang="en-US"/>
               <a:t>第二级</a:t>
             </a:r>
-            <a:endParaRPr lang="zh-CN" altLang="en-US" smtClean="0"/>
           </a:p>
           <a:p>
             <a:pPr lvl="2"/>
             <a:r>
-              <a:rPr lang="zh-CN" altLang="en-US" smtClean="0"/>
+              <a:rPr lang="zh-CN" altLang="en-US"/>
               <a:t>第三级</a:t>
             </a:r>
-            <a:endParaRPr lang="zh-CN" altLang="en-US" smtClean="0"/>
           </a:p>
           <a:p>
             <a:pPr lvl="3"/>
             <a:r>
-              <a:rPr lang="zh-CN" altLang="en-US" smtClean="0"/>
+              <a:rPr lang="zh-CN" altLang="en-US"/>
               <a:t>第四级</a:t>
             </a:r>
-            <a:endParaRPr lang="zh-CN" altLang="en-US" smtClean="0"/>
           </a:p>
           <a:p>
             <a:pPr lvl="4"/>
             <a:r>
-              <a:rPr lang="zh-CN" altLang="en-US" smtClean="0"/>
+              <a:rPr lang="zh-CN" altLang="en-US"/>
               <a:t>第五级</a:t>
             </a:r>
-            <a:endParaRPr lang="zh-CN" altLang="en-US"/>
           </a:p>
         </p:txBody>
       </p:sp>
@@ -1867,42 +1851,37 @@
           <a:p>
             <a:pPr lvl="0"/>
             <a:r>
-              <a:rPr lang="zh-CN" altLang="en-US" smtClean="0"/>
+              <a:rPr lang="zh-CN" altLang="en-US"/>
               <a:t>单击此处编辑母版文本样式</a:t>
             </a:r>
-            <a:endParaRPr lang="zh-CN" altLang="en-US" smtClean="0"/>
           </a:p>
           <a:p>
             <a:pPr lvl="1"/>
             <a:r>
-              <a:rPr lang="zh-CN" altLang="en-US" smtClean="0"/>
+              <a:rPr lang="zh-CN" altLang="en-US"/>
               <a:t>第二级</a:t>
             </a:r>
-            <a:endParaRPr lang="zh-CN" altLang="en-US" smtClean="0"/>
           </a:p>
           <a:p>
             <a:pPr lvl="2"/>
             <a:r>
-              <a:rPr lang="zh-CN" altLang="en-US" smtClean="0"/>
+              <a:rPr lang="zh-CN" altLang="en-US"/>
               <a:t>第三级</a:t>
             </a:r>
-            <a:endParaRPr lang="zh-CN" altLang="en-US" smtClean="0"/>
           </a:p>
           <a:p>
             <a:pPr lvl="3"/>
             <a:r>
-              <a:rPr lang="zh-CN" altLang="en-US" smtClean="0"/>
+              <a:rPr lang="zh-CN" altLang="en-US"/>
               <a:t>第四级</a:t>
             </a:r>
-            <a:endParaRPr lang="zh-CN" altLang="en-US" smtClean="0"/>
           </a:p>
           <a:p>
             <a:pPr lvl="4"/>
             <a:r>
-              <a:rPr lang="zh-CN" altLang="en-US" smtClean="0"/>
+              <a:rPr lang="zh-CN" altLang="en-US"/>
               <a:t>第五级</a:t>
             </a:r>
-            <a:endParaRPr lang="zh-CN" altLang="en-US"/>
           </a:p>
         </p:txBody>
       </p:sp>
@@ -1923,6 +1902,7 @@
           <a:p>
             <a:fld id="{D997B5FA-0921-464F-AAE1-844C04324D75}" type="datetimeFigureOut">
               <a:rPr lang="zh-CN" altLang="en-US" smtClean="0"/>
+              <a:t>2022/6/7</a:t>
             </a:fld>
             <a:endParaRPr lang="zh-CN" altLang="en-US"/>
           </a:p>
@@ -1964,6 +1944,7 @@
           <a:p>
             <a:fld id="{565CE74E-AB26-4998-AD42-012C4C1AD076}" type="slidenum">
               <a:rPr lang="zh-CN" altLang="en-US" smtClean="0"/>
+              <a:t>‹#›</a:t>
             </a:fld>
             <a:endParaRPr lang="zh-CN" altLang="en-US"/>
           </a:p>
@@ -2015,10 +1996,9 @@
           <a:lstStyle/>
           <a:p>
             <a:r>
-              <a:rPr lang="zh-CN" altLang="en-US" smtClean="0"/>
+              <a:rPr lang="zh-CN" altLang="en-US"/>
               <a:t>单击此处编辑母版标题样式</a:t>
             </a:r>
-            <a:endParaRPr lang="zh-CN" altLang="en-US"/>
           </a:p>
         </p:txBody>
       </p:sp>
@@ -2081,10 +2061,9 @@
           <a:p>
             <a:pPr lvl="0"/>
             <a:r>
-              <a:rPr lang="zh-CN" altLang="en-US" smtClean="0"/>
+              <a:rPr lang="zh-CN" altLang="en-US"/>
               <a:t>单击此处编辑母版文本样式</a:t>
             </a:r>
-            <a:endParaRPr lang="zh-CN" altLang="en-US" smtClean="0"/>
           </a:p>
         </p:txBody>
       </p:sp>
@@ -2110,42 +2089,37 @@
           <a:p>
             <a:pPr lvl="0"/>
             <a:r>
-              <a:rPr lang="zh-CN" altLang="en-US" smtClean="0"/>
+              <a:rPr lang="zh-CN" altLang="en-US"/>
               <a:t>单击此处编辑母版文本样式</a:t>
             </a:r>
-            <a:endParaRPr lang="zh-CN" altLang="en-US" smtClean="0"/>
           </a:p>
           <a:p>
             <a:pPr lvl="1"/>
             <a:r>
-              <a:rPr lang="zh-CN" altLang="en-US" smtClean="0"/>
+              <a:rPr lang="zh-CN" altLang="en-US"/>
               <a:t>第二级</a:t>
             </a:r>
-            <a:endParaRPr lang="zh-CN" altLang="en-US" smtClean="0"/>
           </a:p>
           <a:p>
             <a:pPr lvl="2"/>
             <a:r>
-              <a:rPr lang="zh-CN" altLang="en-US" smtClean="0"/>
+              <a:rPr lang="zh-CN" altLang="en-US"/>
               <a:t>第三级</a:t>
             </a:r>
-            <a:endParaRPr lang="zh-CN" altLang="en-US" smtClean="0"/>
           </a:p>
           <a:p>
             <a:pPr lvl="3"/>
             <a:r>
-              <a:rPr lang="zh-CN" altLang="en-US" smtClean="0"/>
+              <a:rPr lang="zh-CN" altLang="en-US"/>
               <a:t>第四级</a:t>
             </a:r>
-            <a:endParaRPr lang="zh-CN" altLang="en-US" smtClean="0"/>
           </a:p>
           <a:p>
             <a:pPr lvl="4"/>
             <a:r>
-              <a:rPr lang="zh-CN" altLang="en-US" smtClean="0"/>
+              <a:rPr lang="zh-CN" altLang="en-US"/>
               <a:t>第五级</a:t>
             </a:r>
-            <a:endParaRPr lang="zh-CN" altLang="en-US"/>
           </a:p>
         </p:txBody>
       </p:sp>
@@ -2208,10 +2182,9 @@
           <a:p>
             <a:pPr lvl="0"/>
             <a:r>
-              <a:rPr lang="zh-CN" altLang="en-US" smtClean="0"/>
+              <a:rPr lang="zh-CN" altLang="en-US"/>
               <a:t>单击此处编辑母版文本样式</a:t>
             </a:r>
-            <a:endParaRPr lang="zh-CN" altLang="en-US" smtClean="0"/>
           </a:p>
         </p:txBody>
       </p:sp>
@@ -2237,42 +2210,37 @@
           <a:p>
             <a:pPr lvl="0"/>
             <a:r>
-              <a:rPr lang="zh-CN" altLang="en-US" smtClean="0"/>
+              <a:rPr lang="zh-CN" altLang="en-US"/>
               <a:t>单击此处编辑母版文本样式</a:t>
             </a:r>
-            <a:endParaRPr lang="zh-CN" altLang="en-US" smtClean="0"/>
           </a:p>
           <a:p>
             <a:pPr lvl="1"/>
             <a:r>
-              <a:rPr lang="zh-CN" altLang="en-US" smtClean="0"/>
+              <a:rPr lang="zh-CN" altLang="en-US"/>
               <a:t>第二级</a:t>
             </a:r>
-            <a:endParaRPr lang="zh-CN" altLang="en-US" smtClean="0"/>
           </a:p>
           <a:p>
             <a:pPr lvl="2"/>
             <a:r>
-              <a:rPr lang="zh-CN" altLang="en-US" smtClean="0"/>
+              <a:rPr lang="zh-CN" altLang="en-US"/>
               <a:t>第三级</a:t>
             </a:r>
-            <a:endParaRPr lang="zh-CN" altLang="en-US" smtClean="0"/>
           </a:p>
           <a:p>
             <a:pPr lvl="3"/>
             <a:r>
-              <a:rPr lang="zh-CN" altLang="en-US" smtClean="0"/>
+              <a:rPr lang="zh-CN" altLang="en-US"/>
               <a:t>第四级</a:t>
             </a:r>
-            <a:endParaRPr lang="zh-CN" altLang="en-US" smtClean="0"/>
           </a:p>
           <a:p>
             <a:pPr lvl="4"/>
             <a:r>
-              <a:rPr lang="zh-CN" altLang="en-US" smtClean="0"/>
+              <a:rPr lang="zh-CN" altLang="en-US"/>
               <a:t>第五级</a:t>
             </a:r>
-            <a:endParaRPr lang="zh-CN" altLang="en-US"/>
           </a:p>
         </p:txBody>
       </p:sp>
@@ -2293,6 +2261,7 @@
           <a:p>
             <a:fld id="{D997B5FA-0921-464F-AAE1-844C04324D75}" type="datetimeFigureOut">
               <a:rPr lang="zh-CN" altLang="en-US" smtClean="0"/>
+              <a:t>2022/6/7</a:t>
             </a:fld>
             <a:endParaRPr lang="zh-CN" altLang="en-US"/>
           </a:p>
@@ -2334,6 +2303,7 @@
           <a:p>
             <a:fld id="{565CE74E-AB26-4998-AD42-012C4C1AD076}" type="slidenum">
               <a:rPr lang="zh-CN" altLang="en-US" smtClean="0"/>
+              <a:t>‹#›</a:t>
             </a:fld>
             <a:endParaRPr lang="zh-CN" altLang="en-US"/>
           </a:p>
@@ -2380,10 +2350,9 @@
           <a:lstStyle/>
           <a:p>
             <a:r>
-              <a:rPr lang="zh-CN" altLang="en-US" smtClean="0"/>
+              <a:rPr lang="zh-CN" altLang="en-US"/>
               <a:t>单击此处编辑母版标题样式</a:t>
             </a:r>
-            <a:endParaRPr lang="zh-CN" altLang="en-US"/>
           </a:p>
         </p:txBody>
       </p:sp>
@@ -2404,6 +2373,7 @@
           <a:p>
             <a:fld id="{D997B5FA-0921-464F-AAE1-844C04324D75}" type="datetimeFigureOut">
               <a:rPr lang="zh-CN" altLang="en-US" smtClean="0"/>
+              <a:t>2022/6/7</a:t>
             </a:fld>
             <a:endParaRPr lang="zh-CN" altLang="en-US"/>
           </a:p>
@@ -2445,6 +2415,7 @@
           <a:p>
             <a:fld id="{565CE74E-AB26-4998-AD42-012C4C1AD076}" type="slidenum">
               <a:rPr lang="zh-CN" altLang="en-US" smtClean="0"/>
+              <a:t>‹#›</a:t>
             </a:fld>
             <a:endParaRPr lang="zh-CN" altLang="en-US"/>
           </a:p>
@@ -2492,6 +2463,7 @@
           <a:p>
             <a:fld id="{D997B5FA-0921-464F-AAE1-844C04324D75}" type="datetimeFigureOut">
               <a:rPr lang="zh-CN" altLang="en-US" smtClean="0"/>
+              <a:t>2022/6/7</a:t>
             </a:fld>
             <a:endParaRPr lang="zh-CN" altLang="en-US"/>
           </a:p>
@@ -2533,6 +2505,7 @@
           <a:p>
             <a:fld id="{565CE74E-AB26-4998-AD42-012C4C1AD076}" type="slidenum">
               <a:rPr lang="zh-CN" altLang="en-US" smtClean="0"/>
+              <a:t>‹#›</a:t>
             </a:fld>
             <a:endParaRPr lang="zh-CN" altLang="en-US"/>
           </a:p>
@@ -2588,10 +2561,9 @@
           </a:lstStyle>
           <a:p>
             <a:r>
-              <a:rPr lang="zh-CN" altLang="en-US" smtClean="0"/>
+              <a:rPr lang="zh-CN" altLang="en-US"/>
               <a:t>单击此处编辑母版标题样式</a:t>
             </a:r>
-            <a:endParaRPr lang="zh-CN" altLang="en-US"/>
           </a:p>
         </p:txBody>
       </p:sp>
@@ -2645,42 +2617,37 @@
           <a:p>
             <a:pPr lvl="0"/>
             <a:r>
-              <a:rPr lang="zh-CN" altLang="en-US" smtClean="0"/>
+              <a:rPr lang="zh-CN" altLang="en-US"/>
               <a:t>单击此处编辑母版文本样式</a:t>
             </a:r>
-            <a:endParaRPr lang="zh-CN" altLang="en-US" smtClean="0"/>
           </a:p>
           <a:p>
             <a:pPr lvl="1"/>
             <a:r>
-              <a:rPr lang="zh-CN" altLang="en-US" smtClean="0"/>
+              <a:rPr lang="zh-CN" altLang="en-US"/>
               <a:t>第二级</a:t>
             </a:r>
-            <a:endParaRPr lang="zh-CN" altLang="en-US" smtClean="0"/>
           </a:p>
           <a:p>
             <a:pPr lvl="2"/>
             <a:r>
-              <a:rPr lang="zh-CN" altLang="en-US" smtClean="0"/>
+              <a:rPr lang="zh-CN" altLang="en-US"/>
               <a:t>第三级</a:t>
             </a:r>
-            <a:endParaRPr lang="zh-CN" altLang="en-US" smtClean="0"/>
           </a:p>
           <a:p>
             <a:pPr lvl="3"/>
             <a:r>
-              <a:rPr lang="zh-CN" altLang="en-US" smtClean="0"/>
+              <a:rPr lang="zh-CN" altLang="en-US"/>
               <a:t>第四级</a:t>
             </a:r>
-            <a:endParaRPr lang="zh-CN" altLang="en-US" smtClean="0"/>
           </a:p>
           <a:p>
             <a:pPr lvl="4"/>
             <a:r>
-              <a:rPr lang="zh-CN" altLang="en-US" smtClean="0"/>
+              <a:rPr lang="zh-CN" altLang="en-US"/>
               <a:t>第五级</a:t>
             </a:r>
-            <a:endParaRPr lang="zh-CN" altLang="en-US"/>
           </a:p>
         </p:txBody>
       </p:sp>
@@ -2743,10 +2710,9 @@
           <a:p>
             <a:pPr lvl="0"/>
             <a:r>
-              <a:rPr lang="zh-CN" altLang="en-US" smtClean="0"/>
+              <a:rPr lang="zh-CN" altLang="en-US"/>
               <a:t>单击此处编辑母版文本样式</a:t>
             </a:r>
-            <a:endParaRPr lang="zh-CN" altLang="en-US" smtClean="0"/>
           </a:p>
         </p:txBody>
       </p:sp>
@@ -2767,6 +2733,7 @@
           <a:p>
             <a:fld id="{D997B5FA-0921-464F-AAE1-844C04324D75}" type="datetimeFigureOut">
               <a:rPr lang="zh-CN" altLang="en-US" smtClean="0"/>
+              <a:t>2022/6/7</a:t>
             </a:fld>
             <a:endParaRPr lang="zh-CN" altLang="en-US"/>
           </a:p>
@@ -2808,6 +2775,7 @@
           <a:p>
             <a:fld id="{565CE74E-AB26-4998-AD42-012C4C1AD076}" type="slidenum">
               <a:rPr lang="zh-CN" altLang="en-US" smtClean="0"/>
+              <a:t>‹#›</a:t>
             </a:fld>
             <a:endParaRPr lang="zh-CN" altLang="en-US"/>
           </a:p>
@@ -2863,10 +2831,9 @@
           </a:lstStyle>
           <a:p>
             <a:r>
-              <a:rPr lang="zh-CN" altLang="en-US" smtClean="0"/>
+              <a:rPr lang="zh-CN" altLang="en-US"/>
               <a:t>单击此处编辑母版标题样式</a:t>
             </a:r>
-            <a:endParaRPr lang="zh-CN" altLang="en-US"/>
           </a:p>
         </p:txBody>
       </p:sp>
@@ -2990,10 +2957,9 @@
           <a:p>
             <a:pPr lvl="0"/>
             <a:r>
-              <a:rPr lang="zh-CN" altLang="en-US" smtClean="0"/>
+              <a:rPr lang="zh-CN" altLang="en-US"/>
               <a:t>单击此处编辑母版文本样式</a:t>
             </a:r>
-            <a:endParaRPr lang="zh-CN" altLang="en-US" smtClean="0"/>
           </a:p>
         </p:txBody>
       </p:sp>
@@ -3014,6 +2980,7 @@
           <a:p>
             <a:fld id="{D997B5FA-0921-464F-AAE1-844C04324D75}" type="datetimeFigureOut">
               <a:rPr lang="zh-CN" altLang="en-US" smtClean="0"/>
+              <a:t>2022/6/7</a:t>
             </a:fld>
             <a:endParaRPr lang="zh-CN" altLang="en-US"/>
           </a:p>
@@ -3055,6 +3022,7 @@
           <a:p>
             <a:fld id="{565CE74E-AB26-4998-AD42-012C4C1AD076}" type="slidenum">
               <a:rPr lang="zh-CN" altLang="en-US" smtClean="0"/>
+              <a:t>‹#›</a:t>
             </a:fld>
             <a:endParaRPr lang="zh-CN" altLang="en-US"/>
           </a:p>
@@ -3116,10 +3084,9 @@
           <a:lstStyle/>
           <a:p>
             <a:r>
-              <a:rPr lang="zh-CN" altLang="en-US" smtClean="0"/>
+              <a:rPr lang="zh-CN" altLang="en-US"/>
               <a:t>单击此处编辑母版标题样式</a:t>
             </a:r>
-            <a:endParaRPr lang="zh-CN" altLang="en-US"/>
           </a:p>
         </p:txBody>
       </p:sp>
@@ -3150,42 +3117,37 @@
           <a:p>
             <a:pPr lvl="0"/>
             <a:r>
-              <a:rPr lang="zh-CN" altLang="en-US" smtClean="0"/>
+              <a:rPr lang="zh-CN" altLang="en-US"/>
               <a:t>单击此处编辑母版文本样式</a:t>
             </a:r>
-            <a:endParaRPr lang="zh-CN" altLang="en-US" smtClean="0"/>
           </a:p>
           <a:p>
             <a:pPr lvl="1"/>
             <a:r>
-              <a:rPr lang="zh-CN" altLang="en-US" smtClean="0"/>
+              <a:rPr lang="zh-CN" altLang="en-US"/>
               <a:t>第二级</a:t>
             </a:r>
-            <a:endParaRPr lang="zh-CN" altLang="en-US" smtClean="0"/>
           </a:p>
           <a:p>
             <a:pPr lvl="2"/>
             <a:r>
-              <a:rPr lang="zh-CN" altLang="en-US" smtClean="0"/>
+              <a:rPr lang="zh-CN" altLang="en-US"/>
               <a:t>第三级</a:t>
             </a:r>
-            <a:endParaRPr lang="zh-CN" altLang="en-US" smtClean="0"/>
           </a:p>
           <a:p>
             <a:pPr lvl="3"/>
             <a:r>
-              <a:rPr lang="zh-CN" altLang="en-US" smtClean="0"/>
+              <a:rPr lang="zh-CN" altLang="en-US"/>
               <a:t>第四级</a:t>
             </a:r>
-            <a:endParaRPr lang="zh-CN" altLang="en-US" smtClean="0"/>
           </a:p>
           <a:p>
             <a:pPr lvl="4"/>
             <a:r>
-              <a:rPr lang="zh-CN" altLang="en-US" smtClean="0"/>
+              <a:rPr lang="zh-CN" altLang="en-US"/>
               <a:t>第五级</a:t>
             </a:r>
-            <a:endParaRPr lang="zh-CN" altLang="en-US"/>
           </a:p>
         </p:txBody>
       </p:sp>
@@ -3224,6 +3186,7 @@
           <a:p>
             <a:fld id="{D997B5FA-0921-464F-AAE1-844C04324D75}" type="datetimeFigureOut">
               <a:rPr lang="zh-CN" altLang="en-US" smtClean="0"/>
+              <a:t>2022/6/7</a:t>
             </a:fld>
             <a:endParaRPr lang="zh-CN" altLang="en-US"/>
           </a:p>
@@ -3301,6 +3264,7 @@
           <a:p>
             <a:fld id="{565CE74E-AB26-4998-AD42-012C4C1AD076}" type="slidenum">
               <a:rPr lang="zh-CN" altLang="en-US" smtClean="0"/>
+              <a:t>‹#›</a:t>
             </a:fld>
             <a:endParaRPr lang="zh-CN" altLang="en-US"/>
           </a:p>
@@ -3631,7 +3595,7 @@
           <p:nvPr/>
         </p:nvPicPr>
         <p:blipFill>
-          <a:blip r:embed="rId1"/>
+          <a:blip r:embed="rId2"/>
           <a:stretch>
             <a:fillRect/>
           </a:stretch>
@@ -3785,22 +3749,6 @@
               </a:rPr>
               <a:t>面向企业技术需求的专家对接服务平台</a:t>
             </a:r>
-            <a:endParaRPr kumimoji="0" lang="zh-CN" altLang="en-US" sz="2800" i="0" u="none" strike="noStrike" kern="1200" cap="none" spc="0" normalizeH="0" baseline="0" noProof="0" dirty="0">
-              <a:ln>
-                <a:noFill/>
-              </a:ln>
-              <a:solidFill>
-                <a:schemeClr val="accent1">
-                  <a:lumMod val="75000"/>
-                </a:schemeClr>
-              </a:solidFill>
-              <a:effectLst/>
-              <a:uLnTx/>
-              <a:uFillTx/>
-              <a:latin typeface="经典综艺体简" panose="02010609000101010101" pitchFamily="49" charset="-122"/>
-              <a:ea typeface="经典综艺体简" panose="02010609000101010101" pitchFamily="49" charset="-122"/>
-              <a:cs typeface="经典综艺体简" panose="02010609000101010101" pitchFamily="49" charset="-122"/>
-            </a:endParaRPr>
           </a:p>
         </p:txBody>
       </p:sp>
@@ -3949,7 +3897,7 @@
           <p:nvPr/>
         </p:nvPicPr>
         <p:blipFill>
-          <a:blip r:embed="rId2"/>
+          <a:blip r:embed="rId3"/>
           <a:stretch>
             <a:fillRect/>
           </a:stretch>
@@ -4122,11 +4070,6 @@
               </a:rPr>
               <a:t>5-23</a:t>
             </a:r>
-            <a:endParaRPr lang="en-US" altLang="zh-CN" b="1" dirty="0">
-              <a:solidFill>
-                <a:schemeClr val="bg1"/>
-              </a:solidFill>
-            </a:endParaRPr>
           </a:p>
         </p:txBody>
       </p:sp>
@@ -4160,7 +4103,100 @@
               </a:rPr>
               <a:t>汇报：梁沛贤</a:t>
             </a:r>
-            <a:endParaRPr lang="zh-CN" altLang="en-US" b="1" dirty="0">
+          </a:p>
+        </p:txBody>
+      </p:sp>
+      <p:sp>
+        <p:nvSpPr>
+          <p:cNvPr id="13" name="矩形 12">
+            <a:extLst>
+              <a:ext uri="{FF2B5EF4-FFF2-40B4-BE49-F238E27FC236}">
+                <a16:creationId xmlns:a16="http://schemas.microsoft.com/office/drawing/2014/main" id="{D1456DC6-B41A-7243-A9CA-36C4EB7E3AAC}"/>
+              </a:ext>
+            </a:extLst>
+          </p:cNvPr>
+          <p:cNvSpPr/>
+          <p:nvPr/>
+        </p:nvSpPr>
+        <p:spPr>
+          <a:xfrm>
+            <a:off x="3747184" y="4372610"/>
+            <a:ext cx="1707409" cy="589915"/>
+          </a:xfrm>
+          <a:prstGeom prst="rect">
+            <a:avLst/>
+          </a:prstGeom>
+        </p:spPr>
+        <p:style>
+          <a:lnRef idx="2">
+            <a:schemeClr val="accent1">
+              <a:shade val="50000"/>
+            </a:schemeClr>
+          </a:lnRef>
+          <a:fillRef idx="1">
+            <a:schemeClr val="accent1"/>
+          </a:fillRef>
+          <a:effectRef idx="0">
+            <a:schemeClr val="accent1"/>
+          </a:effectRef>
+          <a:fontRef idx="minor">
+            <a:schemeClr val="lt1"/>
+          </a:fontRef>
+        </p:style>
+        <p:txBody>
+          <a:bodyPr rtlCol="0" anchor="ctr"/>
+          <a:lstStyle/>
+          <a:p>
+            <a:pPr algn="ctr"/>
+            <a:endParaRPr lang="zh-CN" altLang="en-US"/>
+          </a:p>
+        </p:txBody>
+      </p:sp>
+      <p:sp>
+        <p:nvSpPr>
+          <p:cNvPr id="14" name="文本框 13">
+            <a:extLst>
+              <a:ext uri="{FF2B5EF4-FFF2-40B4-BE49-F238E27FC236}">
+                <a16:creationId xmlns:a16="http://schemas.microsoft.com/office/drawing/2014/main" id="{0E6B89FD-00FF-6C4D-A066-26940985D611}"/>
+              </a:ext>
+            </a:extLst>
+          </p:cNvPr>
+          <p:cNvSpPr txBox="1"/>
+          <p:nvPr/>
+        </p:nvSpPr>
+        <p:spPr>
+          <a:xfrm>
+            <a:off x="3747185" y="4483100"/>
+            <a:ext cx="1856740" cy="369332"/>
+          </a:xfrm>
+          <a:prstGeom prst="rect">
+            <a:avLst/>
+          </a:prstGeom>
+          <a:noFill/>
+        </p:spPr>
+        <p:txBody>
+          <a:bodyPr wrap="square" rtlCol="0">
+            <a:spAutoFit/>
+          </a:bodyPr>
+          <a:lstStyle/>
+          <a:p>
+            <a:r>
+              <a:rPr lang="en-US" altLang="zh-CN" b="1" dirty="0">
+                <a:solidFill>
+                  <a:schemeClr val="bg1"/>
+                </a:solidFill>
+              </a:rPr>
+              <a:t>O2E-TU-2 </a:t>
+            </a:r>
+            <a:r>
+              <a:rPr lang="zh-CN" altLang="en-US" b="1" dirty="0">
+                <a:solidFill>
+                  <a:schemeClr val="bg1"/>
+                </a:solidFill>
+              </a:rPr>
+              <a:t>小组</a:t>
+            </a:r>
+            <a:endParaRPr lang="en-US" altLang="zh-CN" b="1" dirty="0">
               <a:solidFill>
                 <a:schemeClr val="bg1"/>
               </a:solidFill>
@@ -4336,20 +4372,6 @@
                 </a:rPr>
                 <a:t>App</a:t>
               </a:r>
-              <a:endParaRPr kumimoji="0" lang="en-US" altLang="zh-CN" sz="3200" b="1" i="0" u="none" strike="noStrike" kern="0" cap="none" spc="0" normalizeH="0" baseline="0" noProof="0" dirty="0">
-                <a:ln>
-                  <a:noFill/>
-                </a:ln>
-                <a:solidFill>
-                  <a:prstClr val="white"/>
-                </a:solidFill>
-                <a:effectLst/>
-                <a:uLnTx/>
-                <a:uFillTx/>
-                <a:latin typeface="Verdana" panose="020B0604030504040204"/>
-                <a:ea typeface="微软雅黑" panose="020B0503020204020204" pitchFamily="34" charset="-122"/>
-                <a:cs typeface="+mn-cs"/>
-              </a:endParaRPr>
             </a:p>
           </p:txBody>
         </p:sp>
@@ -4596,13 +4618,6 @@
               </a:rPr>
               <a:t> 后续计划</a:t>
             </a:r>
-            <a:endParaRPr kumimoji="1" lang="zh-CN" altLang="en-US" sz="3200" b="1" dirty="0">
-              <a:solidFill>
-                <a:schemeClr val="tx2"/>
-              </a:solidFill>
-              <a:latin typeface="微软雅黑" panose="020B0503020204020204" pitchFamily="34" charset="-122"/>
-              <a:ea typeface="微软雅黑" panose="020B0503020204020204" pitchFamily="34" charset="-122"/>
-            </a:endParaRPr>
           </a:p>
         </p:txBody>
       </p:sp>
@@ -4615,7 +4630,7 @@
           <p:nvPr/>
         </p:nvPicPr>
         <p:blipFill>
-          <a:blip r:embed="rId1"/>
+          <a:blip r:embed="rId2"/>
           <a:stretch>
             <a:fillRect/>
           </a:stretch>
@@ -4661,7 +4676,6 @@
               <a:rPr lang="zh-CN" altLang="en-US" sz="2400" b="1" dirty="0"/>
               <a:t>企业端：</a:t>
             </a:r>
-            <a:endParaRPr lang="zh-CN" altLang="en-US" sz="2400" b="1" dirty="0"/>
           </a:p>
           <a:p>
             <a:pPr indent="0" fontAlgn="auto">
@@ -4709,11 +4723,6 @@
               </a:rPr>
               <a:t>专家端：</a:t>
             </a:r>
-            <a:endParaRPr lang="zh-CN" altLang="en-US" sz="2400" b="1" dirty="0">
-              <a:latin typeface="微软雅黑" panose="020B0503020204020204" pitchFamily="34" charset="-122"/>
-              <a:ea typeface="微软雅黑" panose="020B0503020204020204" pitchFamily="34" charset="-122"/>
-              <a:cs typeface="微软雅黑" panose="020B0503020204020204" pitchFamily="34" charset="-122"/>
-            </a:endParaRPr>
           </a:p>
           <a:p>
             <a:pPr indent="0" fontAlgn="auto">
@@ -4753,11 +4762,6 @@
               </a:rPr>
               <a:t>模型实现）</a:t>
             </a:r>
-            <a:endParaRPr lang="zh-CN" altLang="en-US" sz="2000" dirty="0">
-              <a:latin typeface="宋体" panose="02010600030101010101" pitchFamily="2" charset="-122"/>
-              <a:ea typeface="宋体" panose="02010600030101010101" pitchFamily="2" charset="-122"/>
-              <a:cs typeface="微软雅黑" panose="020B0503020204020204" pitchFamily="34" charset="-122"/>
-            </a:endParaRPr>
           </a:p>
           <a:p>
             <a:pPr indent="0" fontAlgn="auto">
@@ -4781,11 +4785,6 @@
               </a:rPr>
               <a:t>专家不能就已招满人数的需求来联系企业</a:t>
             </a:r>
-            <a:endParaRPr lang="zh-CN" altLang="en-US" sz="2000" dirty="0">
-              <a:latin typeface="宋体" panose="02010600030101010101" pitchFamily="2" charset="-122"/>
-              <a:ea typeface="宋体" panose="02010600030101010101" pitchFamily="2" charset="-122"/>
-              <a:cs typeface="微软雅黑" panose="020B0503020204020204" pitchFamily="34" charset="-122"/>
-            </a:endParaRPr>
           </a:p>
           <a:p>
             <a:pPr indent="0" fontAlgn="auto">
@@ -5015,20 +5014,6 @@
                 </a:rPr>
                 <a:t>互测版本准备</a:t>
               </a:r>
-              <a:endParaRPr kumimoji="0" lang="zh-CN" altLang="en-US" sz="3200" b="1" i="0" u="none" strike="noStrike" kern="0" cap="none" spc="0" normalizeH="0" baseline="0" noProof="0" dirty="0">
-                <a:ln>
-                  <a:noFill/>
-                </a:ln>
-                <a:solidFill>
-                  <a:prstClr val="white"/>
-                </a:solidFill>
-                <a:effectLst/>
-                <a:uLnTx/>
-                <a:uFillTx/>
-                <a:latin typeface="Verdana" panose="020B0604030504040204"/>
-                <a:ea typeface="微软雅黑" panose="020B0503020204020204" pitchFamily="34" charset="-122"/>
-                <a:cs typeface="+mn-cs"/>
-              </a:endParaRPr>
             </a:p>
           </p:txBody>
         </p:sp>
@@ -5275,13 +5260,6 @@
               </a:rPr>
               <a:t> 后续计划</a:t>
             </a:r>
-            <a:endParaRPr kumimoji="1" lang="zh-CN" altLang="en-US" sz="3200" b="1" dirty="0">
-              <a:solidFill>
-                <a:schemeClr val="tx2"/>
-              </a:solidFill>
-              <a:latin typeface="微软雅黑" panose="020B0503020204020204" pitchFamily="34" charset="-122"/>
-              <a:ea typeface="微软雅黑" panose="020B0503020204020204" pitchFamily="34" charset="-122"/>
-            </a:endParaRPr>
           </a:p>
         </p:txBody>
       </p:sp>
@@ -5294,7 +5272,7 @@
           <p:nvPr/>
         </p:nvPicPr>
         <p:blipFill>
-          <a:blip r:embed="rId1"/>
+          <a:blip r:embed="rId2"/>
           <a:stretch>
             <a:fillRect/>
           </a:stretch>
@@ -5364,10 +5342,6 @@
               </a:rPr>
               <a:t>完成互测版本的部署</a:t>
             </a:r>
-            <a:endParaRPr lang="zh-CN" altLang="en-US" sz="2000" dirty="0">
-              <a:latin typeface="宋体" panose="02010600030101010101" pitchFamily="2" charset="-122"/>
-              <a:ea typeface="宋体" panose="02010600030101010101" pitchFamily="2" charset="-122"/>
-            </a:endParaRPr>
           </a:p>
           <a:p>
             <a:pPr indent="0" fontAlgn="auto">
@@ -5389,10 +5363,6 @@
               </a:rPr>
               <a:t>完成用户手册</a:t>
             </a:r>
-            <a:endParaRPr lang="zh-CN" altLang="en-US" sz="2000" dirty="0">
-              <a:latin typeface="宋体" panose="02010600030101010101" pitchFamily="2" charset="-122"/>
-              <a:ea typeface="宋体" panose="02010600030101010101" pitchFamily="2" charset="-122"/>
-            </a:endParaRPr>
           </a:p>
           <a:p>
             <a:pPr indent="0" fontAlgn="auto">
@@ -5432,10 +5402,6 @@
               </a:rPr>
               <a:t>	</a:t>
             </a:r>
-            <a:endParaRPr lang="en-US" altLang="zh-CN" sz="2400" dirty="0">
-              <a:latin typeface="华文楷体" panose="02010600040101010101" charset="-122"/>
-              <a:ea typeface="华文楷体" panose="02010600040101010101" charset="-122"/>
-            </a:endParaRPr>
           </a:p>
           <a:p>
             <a:pPr indent="0" fontAlgn="auto">
@@ -5772,7 +5738,7 @@
           <p:nvPr/>
         </p:nvPicPr>
         <p:blipFill>
-          <a:blip r:embed="rId1"/>
+          <a:blip r:embed="rId2"/>
           <a:stretch>
             <a:fillRect/>
           </a:stretch>
@@ -5796,7 +5762,7 @@
           <p:nvPr/>
         </p:nvPicPr>
         <p:blipFill>
-          <a:blip r:embed="rId2"/>
+          <a:blip r:embed="rId3"/>
           <a:stretch>
             <a:fillRect/>
           </a:stretch>
@@ -6232,7 +6198,7 @@
           <p:nvPr/>
         </p:nvPicPr>
         <p:blipFill>
-          <a:blip r:embed="rId1"/>
+          <a:blip r:embed="rId2"/>
           <a:stretch>
             <a:fillRect/>
           </a:stretch>
@@ -6256,7 +6222,7 @@
           <p:nvPr/>
         </p:nvPicPr>
         <p:blipFill>
-          <a:blip r:embed="rId2"/>
+          <a:blip r:embed="rId3"/>
           <a:stretch>
             <a:fillRect/>
           </a:stretch>
@@ -6467,20 +6433,6 @@
               </a:rPr>
               <a:t>本周工作</a:t>
             </a:r>
-            <a:endParaRPr kumimoji="0" lang="zh-CN" altLang="en-US" sz="2800" b="1" i="0" u="none" strike="noStrike" kern="1200" cap="none" spc="0" normalizeH="0" baseline="0" noProof="0" dirty="0">
-              <a:ln>
-                <a:noFill/>
-              </a:ln>
-              <a:solidFill>
-                <a:prstClr val="white"/>
-              </a:solidFill>
-              <a:effectLst/>
-              <a:uLnTx/>
-              <a:uFillTx/>
-              <a:latin typeface="微软雅黑" panose="020B0503020204020204" pitchFamily="34" charset="-122"/>
-              <a:ea typeface="微软雅黑" panose="020B0503020204020204" pitchFamily="34" charset="-122"/>
-              <a:cs typeface="Aharoni" panose="02010803020104030203" pitchFamily="2" charset="-79"/>
-            </a:endParaRPr>
           </a:p>
         </p:txBody>
       </p:sp>
@@ -6731,11 +6683,6 @@
               </a:rPr>
               <a:t>目录</a:t>
             </a:r>
-            <a:endParaRPr lang="zh-CN" altLang="en-US" sz="4400" b="1" dirty="0">
-              <a:latin typeface="微软雅黑" panose="020B0503020204020204" pitchFamily="34" charset="-122"/>
-              <a:ea typeface="微软雅黑" panose="020B0503020204020204" pitchFamily="34" charset="-122"/>
-              <a:cs typeface="Yuppy SC" panose="020F0603040207020204" pitchFamily="34" charset="-122"/>
-            </a:endParaRPr>
           </a:p>
         </p:txBody>
       </p:sp>
@@ -7519,20 +7466,6 @@
               </a:rPr>
               <a:t>后续计划</a:t>
             </a:r>
-            <a:endParaRPr kumimoji="0" lang="zh-CN" altLang="en-US" sz="2800" b="1" i="0" u="none" strike="noStrike" kern="1200" cap="none" spc="0" normalizeH="0" baseline="0" noProof="0" dirty="0">
-              <a:ln>
-                <a:noFill/>
-              </a:ln>
-              <a:solidFill>
-                <a:prstClr val="white"/>
-              </a:solidFill>
-              <a:effectLst/>
-              <a:uLnTx/>
-              <a:uFillTx/>
-              <a:latin typeface="微软雅黑" panose="020B0503020204020204" pitchFamily="34" charset="-122"/>
-              <a:ea typeface="微软雅黑" panose="020B0503020204020204" pitchFamily="34" charset="-122"/>
-              <a:cs typeface="Aharoni" panose="02010803020104030203" pitchFamily="2" charset="-79"/>
-            </a:endParaRPr>
           </a:p>
         </p:txBody>
       </p:sp>
@@ -7549,7 +7482,7 @@
           </p:nvPr>
         </p:nvPicPr>
         <p:blipFill>
-          <a:blip r:embed="rId2"/>
+          <a:blip r:embed="rId3"/>
           <a:stretch>
             <a:fillRect/>
           </a:stretch>
@@ -7735,13 +7668,6 @@
                 </a:rPr>
                 <a:t>端</a:t>
               </a:r>
-              <a:endParaRPr lang="zh-CN" altLang="en-US" sz="3200" b="1" kern="0" dirty="0">
-                <a:solidFill>
-                  <a:prstClr val="white"/>
-                </a:solidFill>
-                <a:latin typeface="Verdana" panose="020B0604030504040204"/>
-                <a:ea typeface="微软雅黑" panose="020B0503020204020204" pitchFamily="34" charset="-122"/>
-              </a:endParaRPr>
             </a:p>
           </p:txBody>
         </p:sp>
@@ -7988,13 +7914,6 @@
               </a:rPr>
               <a:t> 本周工作</a:t>
             </a:r>
-            <a:endParaRPr kumimoji="1" lang="zh-CN" altLang="en-US" sz="3200" b="1" dirty="0">
-              <a:solidFill>
-                <a:schemeClr val="tx2"/>
-              </a:solidFill>
-              <a:latin typeface="微软雅黑" panose="020B0503020204020204" pitchFamily="34" charset="-122"/>
-              <a:ea typeface="微软雅黑" panose="020B0503020204020204" pitchFamily="34" charset="-122"/>
-            </a:endParaRPr>
           </a:p>
         </p:txBody>
       </p:sp>
@@ -8007,7 +7926,7 @@
           <p:nvPr/>
         </p:nvPicPr>
         <p:blipFill>
-          <a:blip r:embed="rId1"/>
+          <a:blip r:embed="rId3"/>
           <a:stretch>
             <a:fillRect/>
           </a:stretch>
@@ -8067,11 +7986,6 @@
               </a:rPr>
               <a:t>需求平台已对接专家头像展示</a:t>
             </a:r>
-            <a:endParaRPr lang="zh-CN" altLang="en-US" sz="2400" b="1" dirty="0">
-              <a:latin typeface="+mn-ea"/>
-              <a:cs typeface="华光楷体一_CNKI" panose="02000500000000000000" charset="-122"/>
-              <a:sym typeface="+mn-ea"/>
-            </a:endParaRPr>
           </a:p>
           <a:p>
             <a:pPr indent="0" fontAlgn="auto">
@@ -8126,7 +8040,7 @@
           <p:nvPr/>
         </p:nvPicPr>
         <p:blipFill>
-          <a:blip r:embed="rId2"/>
+          <a:blip r:embed="rId4"/>
           <a:stretch>
             <a:fillRect/>
           </a:stretch>
@@ -8150,7 +8064,7 @@
           <p:nvPr/>
         </p:nvPicPr>
         <p:blipFill>
-          <a:blip r:embed="rId3"/>
+          <a:blip r:embed="rId5"/>
           <a:stretch>
             <a:fillRect/>
           </a:stretch>
@@ -8198,6 +8112,7 @@
         </p:style>
         <p:txBody>
           <a:bodyPr rtlCol="0" anchor="ctr"/>
+          <a:lstStyle/>
           <a:p>
             <a:pPr algn="ctr"/>
             <a:endParaRPr lang="zh-CN" altLang="en-US"/>
@@ -8375,13 +8290,6 @@
                 </a:rPr>
                 <a:t>端</a:t>
               </a:r>
-              <a:endParaRPr lang="zh-CN" altLang="en-US" sz="3200" b="1" kern="0" dirty="0">
-                <a:solidFill>
-                  <a:prstClr val="white"/>
-                </a:solidFill>
-                <a:latin typeface="Verdana" panose="020B0604030504040204"/>
-                <a:ea typeface="微软雅黑" panose="020B0503020204020204" pitchFamily="34" charset="-122"/>
-              </a:endParaRPr>
             </a:p>
           </p:txBody>
         </p:sp>
@@ -8628,13 +8536,6 @@
               </a:rPr>
               <a:t> 本周工作</a:t>
             </a:r>
-            <a:endParaRPr kumimoji="1" lang="zh-CN" altLang="en-US" sz="3200" b="1" dirty="0">
-              <a:solidFill>
-                <a:schemeClr val="tx2"/>
-              </a:solidFill>
-              <a:latin typeface="微软雅黑" panose="020B0503020204020204" pitchFamily="34" charset="-122"/>
-              <a:ea typeface="微软雅黑" panose="020B0503020204020204" pitchFamily="34" charset="-122"/>
-            </a:endParaRPr>
           </a:p>
         </p:txBody>
       </p:sp>
@@ -8647,7 +8548,7 @@
           <p:nvPr/>
         </p:nvPicPr>
         <p:blipFill>
-          <a:blip r:embed="rId1"/>
+          <a:blip r:embed="rId3"/>
           <a:stretch>
             <a:fillRect/>
           </a:stretch>
@@ -8707,11 +8608,6 @@
               </a:rPr>
               <a:t>企业信息展示页面调整</a:t>
             </a:r>
-            <a:endParaRPr lang="zh-CN" altLang="en-US" sz="2400" b="1" dirty="0">
-              <a:latin typeface="+mn-ea"/>
-              <a:cs typeface="华光楷体一_CNKI" panose="02000500000000000000" charset="-122"/>
-              <a:sym typeface="+mn-ea"/>
-            </a:endParaRPr>
           </a:p>
           <a:p>
             <a:pPr indent="0" fontAlgn="auto">
@@ -8729,11 +8625,6 @@
               </a:rPr>
               <a:t>企业信息展示界面中展示该企业所属公司及属地信息，并去掉了右边企业详情编辑</a:t>
             </a:r>
-            <a:endParaRPr lang="zh-CN" altLang="en-US" sz="2000" dirty="0">
-              <a:latin typeface="+mn-ea"/>
-              <a:cs typeface="华光楷体一_CNKI" panose="02000500000000000000" charset="-122"/>
-              <a:sym typeface="+mn-ea"/>
-            </a:endParaRPr>
           </a:p>
         </p:txBody>
       </p:sp>
@@ -8770,6 +8661,7 @@
         </p:style>
         <p:txBody>
           <a:bodyPr rtlCol="0" anchor="ctr"/>
+          <a:lstStyle/>
           <a:p>
             <a:pPr algn="ctr"/>
             <a:endParaRPr lang="zh-CN" altLang="en-US"/>
@@ -8785,7 +8677,7 @@
           <p:nvPr/>
         </p:nvPicPr>
         <p:blipFill>
-          <a:blip r:embed="rId2"/>
+          <a:blip r:embed="rId4"/>
           <a:stretch>
             <a:fillRect/>
           </a:stretch>
@@ -8809,7 +8701,7 @@
           <p:nvPr/>
         </p:nvPicPr>
         <p:blipFill>
-          <a:blip r:embed="rId3"/>
+          <a:blip r:embed="rId5"/>
           <a:stretch>
             <a:fillRect/>
           </a:stretch>
@@ -8995,13 +8887,6 @@
                 </a:rPr>
                 <a:t>端</a:t>
               </a:r>
-              <a:endParaRPr lang="zh-CN" altLang="en-US" sz="3200" b="1" kern="0" dirty="0">
-                <a:solidFill>
-                  <a:prstClr val="white"/>
-                </a:solidFill>
-                <a:latin typeface="Verdana" panose="020B0604030504040204"/>
-                <a:ea typeface="微软雅黑" panose="020B0503020204020204" pitchFamily="34" charset="-122"/>
-              </a:endParaRPr>
             </a:p>
           </p:txBody>
         </p:sp>
@@ -9248,13 +9133,6 @@
               </a:rPr>
               <a:t> 本周工作</a:t>
             </a:r>
-            <a:endParaRPr kumimoji="1" lang="zh-CN" altLang="en-US" sz="3200" b="1" dirty="0">
-              <a:solidFill>
-                <a:schemeClr val="tx2"/>
-              </a:solidFill>
-              <a:latin typeface="微软雅黑" panose="020B0503020204020204" pitchFamily="34" charset="-122"/>
-              <a:ea typeface="微软雅黑" panose="020B0503020204020204" pitchFamily="34" charset="-122"/>
-            </a:endParaRPr>
           </a:p>
         </p:txBody>
       </p:sp>
@@ -9267,7 +9145,7 @@
           <p:nvPr/>
         </p:nvPicPr>
         <p:blipFill>
-          <a:blip r:embed="rId1"/>
+          <a:blip r:embed="rId3"/>
           <a:stretch>
             <a:fillRect/>
           </a:stretch>
@@ -9327,11 +9205,6 @@
               </a:rPr>
               <a:t>添加我的反馈信息显示界面</a:t>
             </a:r>
-            <a:endParaRPr lang="zh-CN" altLang="en-US" sz="2400" b="1" dirty="0">
-              <a:latin typeface="+mn-ea"/>
-              <a:cs typeface="华光楷体一_CNKI" panose="02000500000000000000" charset="-122"/>
-              <a:sym typeface="+mn-ea"/>
-            </a:endParaRPr>
           </a:p>
           <a:p>
             <a:pPr indent="0" fontAlgn="auto">
@@ -9349,11 +9222,6 @@
               </a:rPr>
               <a:t>设立专门的用户反馈信息展示界面，用户可在该界面上查看历史反馈信息。</a:t>
             </a:r>
-            <a:endParaRPr lang="zh-CN" altLang="en-US" sz="2000" dirty="0">
-              <a:latin typeface="+mn-ea"/>
-              <a:cs typeface="华光楷体一_CNKI" panose="02000500000000000000" charset="-122"/>
-              <a:sym typeface="+mn-ea"/>
-            </a:endParaRPr>
           </a:p>
         </p:txBody>
       </p:sp>
@@ -9366,7 +9234,7 @@
           <p:nvPr/>
         </p:nvPicPr>
         <p:blipFill>
-          <a:blip r:embed="rId2"/>
+          <a:blip r:embed="rId4"/>
           <a:stretch>
             <a:fillRect/>
           </a:stretch>
@@ -9552,13 +9420,6 @@
                 </a:rPr>
                 <a:t>相关</a:t>
               </a:r>
-              <a:endParaRPr lang="zh-CN" altLang="en-US" sz="3200" b="1" kern="0" dirty="0">
-                <a:solidFill>
-                  <a:prstClr val="white"/>
-                </a:solidFill>
-                <a:latin typeface="Verdana" panose="020B0604030504040204"/>
-                <a:ea typeface="微软雅黑" panose="020B0503020204020204" pitchFamily="34" charset="-122"/>
-              </a:endParaRPr>
             </a:p>
           </p:txBody>
         </p:sp>
@@ -9805,13 +9666,6 @@
               </a:rPr>
               <a:t> 本周工作</a:t>
             </a:r>
-            <a:endParaRPr kumimoji="1" lang="zh-CN" altLang="en-US" sz="3200" b="1" dirty="0">
-              <a:solidFill>
-                <a:schemeClr val="tx2"/>
-              </a:solidFill>
-              <a:latin typeface="微软雅黑" panose="020B0503020204020204" pitchFamily="34" charset="-122"/>
-              <a:ea typeface="微软雅黑" panose="020B0503020204020204" pitchFamily="34" charset="-122"/>
-            </a:endParaRPr>
           </a:p>
         </p:txBody>
       </p:sp>
@@ -9824,7 +9678,7 @@
           <p:nvPr/>
         </p:nvPicPr>
         <p:blipFill>
-          <a:blip r:embed="rId1"/>
+          <a:blip r:embed="rId3"/>
           <a:stretch>
             <a:fillRect/>
           </a:stretch>
@@ -9900,11 +9754,6 @@
               </a:rPr>
               <a:t>模型的训练</a:t>
             </a:r>
-            <a:endParaRPr lang="zh-CN" altLang="en-US" sz="2400" b="1" dirty="0">
-              <a:latin typeface="+mn-ea"/>
-              <a:cs typeface="华光楷体一_CNKI" panose="02000500000000000000" charset="-122"/>
-              <a:sym typeface="+mn-ea"/>
-            </a:endParaRPr>
           </a:p>
         </p:txBody>
       </p:sp>
@@ -9945,11 +9794,6 @@
               </a:rPr>
               <a:t>通过论文标题和关键词（领域）的对比学习对预训练的SciBERT模型进行微调(fine-tune)，使得训练后的模型能够学习到论文标题与关键词（领域）之间的对应关系，而该关系具体可体现在具体论文标题的标题向量上。</a:t>
             </a:r>
-            <a:endParaRPr lang="zh-CN" altLang="en-US" sz="2000" b="1" dirty="0">
-              <a:latin typeface="华文楷体" panose="02010600040101010101" charset="-122"/>
-              <a:ea typeface="华文楷体" panose="02010600040101010101" charset="-122"/>
-              <a:cs typeface="华文楷体" panose="02010600040101010101" charset="-122"/>
-            </a:endParaRPr>
           </a:p>
         </p:txBody>
       </p:sp>
@@ -9973,6 +9817,7 @@
           <a:bodyPr wrap="none" rtlCol="0">
             <a:spAutoFit/>
           </a:bodyPr>
+          <a:lstStyle/>
           <a:p>
             <a:r>
               <a:rPr lang="en-US" altLang="zh-CN"/>
@@ -9982,7 +9827,6 @@
               <a:rPr lang="zh-CN" altLang="en-US"/>
               <a:t>模型训练记录</a:t>
             </a:r>
-            <a:endParaRPr lang="zh-CN" altLang="en-US"/>
           </a:p>
         </p:txBody>
       </p:sp>
@@ -9995,7 +9839,7 @@
           <p:nvPr/>
         </p:nvPicPr>
         <p:blipFill>
-          <a:blip r:embed="rId2"/>
+          <a:blip r:embed="rId4"/>
           <a:stretch>
             <a:fillRect/>
           </a:stretch>
@@ -10181,13 +10025,6 @@
                 </a:rPr>
                 <a:t>相关</a:t>
               </a:r>
-              <a:endParaRPr lang="zh-CN" altLang="en-US" sz="3200" b="1" kern="0" dirty="0">
-                <a:solidFill>
-                  <a:prstClr val="white"/>
-                </a:solidFill>
-                <a:latin typeface="Verdana" panose="020B0604030504040204"/>
-                <a:ea typeface="微软雅黑" panose="020B0503020204020204" pitchFamily="34" charset="-122"/>
-              </a:endParaRPr>
             </a:p>
           </p:txBody>
         </p:sp>
@@ -10434,13 +10271,6 @@
               </a:rPr>
               <a:t> 本周工作</a:t>
             </a:r>
-            <a:endParaRPr kumimoji="1" lang="zh-CN" altLang="en-US" sz="3200" b="1" dirty="0">
-              <a:solidFill>
-                <a:schemeClr val="tx2"/>
-              </a:solidFill>
-              <a:latin typeface="微软雅黑" panose="020B0503020204020204" pitchFamily="34" charset="-122"/>
-              <a:ea typeface="微软雅黑" panose="020B0503020204020204" pitchFamily="34" charset="-122"/>
-            </a:endParaRPr>
           </a:p>
         </p:txBody>
       </p:sp>
@@ -10453,7 +10283,7 @@
           <p:nvPr/>
         </p:nvPicPr>
         <p:blipFill>
-          <a:blip r:embed="rId1"/>
+          <a:blip r:embed="rId3"/>
           <a:stretch>
             <a:fillRect/>
           </a:stretch>
@@ -10529,11 +10359,6 @@
               </a:rPr>
               <a:t>模型进行专家推荐</a:t>
             </a:r>
-            <a:endParaRPr lang="zh-CN" altLang="en-US" sz="2400" b="1" dirty="0">
-              <a:latin typeface="+mn-ea"/>
-              <a:cs typeface="华光楷体一_CNKI" panose="02000500000000000000" charset="-122"/>
-              <a:sym typeface="+mn-ea"/>
-            </a:endParaRPr>
           </a:p>
         </p:txBody>
       </p:sp>
@@ -10582,11 +10407,6 @@
               </a:rPr>
               <a:t>预先用训练好的模型得到数据库中所有论文的归一化标题向量，并存入数据库中。</a:t>
             </a:r>
-            <a:endParaRPr lang="zh-CN" altLang="en-US" b="1" dirty="0">
-              <a:latin typeface="华文楷体" panose="02010600040101010101" charset="-122"/>
-              <a:ea typeface="华文楷体" panose="02010600040101010101" charset="-122"/>
-              <a:cs typeface="华文楷体" panose="02010600040101010101" charset="-122"/>
-            </a:endParaRPr>
           </a:p>
           <a:p>
             <a:pPr marL="342900" indent="-342900">
@@ -10612,11 +10432,6 @@
               </a:rPr>
               <a:t>若某一需求需要专家推荐，则将企业对应填写的关键词取出，并通过模型得到其归一化关键词向量。</a:t>
             </a:r>
-            <a:endParaRPr lang="zh-CN" altLang="en-US" b="1" dirty="0">
-              <a:latin typeface="华文楷体" panose="02010600040101010101" charset="-122"/>
-              <a:ea typeface="华文楷体" panose="02010600040101010101" charset="-122"/>
-              <a:cs typeface="华文楷体" panose="02010600040101010101" charset="-122"/>
-            </a:endParaRPr>
           </a:p>
           <a:p>
             <a:pPr marL="342900" indent="-342900">
@@ -10674,11 +10489,6 @@
               </a:rPr>
               <a:t>篇论文（内积越大，相似度越高）。</a:t>
             </a:r>
-            <a:endParaRPr lang="zh-CN" altLang="en-US" b="1" dirty="0">
-              <a:latin typeface="华文楷体" panose="02010600040101010101" charset="-122"/>
-              <a:ea typeface="华文楷体" panose="02010600040101010101" charset="-122"/>
-              <a:cs typeface="华文楷体" panose="02010600040101010101" charset="-122"/>
-            </a:endParaRPr>
           </a:p>
           <a:p>
             <a:pPr marL="342900" indent="-342900">
@@ -10720,11 +10530,6 @@
               </a:rPr>
               <a:t>篇论文的作者，按照一定的推荐规则确定最终要推荐的人。</a:t>
             </a:r>
-            <a:endParaRPr lang="zh-CN" altLang="en-US" b="1" dirty="0">
-              <a:latin typeface="华文楷体" panose="02010600040101010101" charset="-122"/>
-              <a:ea typeface="华文楷体" panose="02010600040101010101" charset="-122"/>
-              <a:cs typeface="华文楷体" panose="02010600040101010101" charset="-122"/>
-            </a:endParaRPr>
           </a:p>
         </p:txBody>
       </p:sp>
@@ -10767,6 +10572,7 @@
         </p:style>
         <p:txBody>
           <a:bodyPr rtlCol="0" anchor="ctr"/>
+          <a:lstStyle/>
           <a:p>
             <a:pPr algn="ctr"/>
             <a:endParaRPr lang="zh-CN" altLang="en-US"/>
@@ -10793,12 +10599,12 @@
           <a:bodyPr wrap="none" rtlCol="0">
             <a:spAutoFit/>
           </a:bodyPr>
+          <a:lstStyle/>
           <a:p>
             <a:r>
               <a:rPr lang="zh-CN" altLang="en-US"/>
               <a:t>预备工作</a:t>
             </a:r>
-            <a:endParaRPr lang="zh-CN" altLang="en-US"/>
           </a:p>
         </p:txBody>
       </p:sp>
@@ -10841,6 +10647,7 @@
         </p:style>
         <p:txBody>
           <a:bodyPr rtlCol="0" anchor="ctr"/>
+          <a:lstStyle/>
           <a:p>
             <a:pPr algn="ctr"/>
             <a:endParaRPr lang="zh-CN" altLang="en-US"/>
@@ -10867,12 +10674,12 @@
           <a:bodyPr wrap="none" rtlCol="0">
             <a:spAutoFit/>
           </a:bodyPr>
+          <a:lstStyle/>
           <a:p>
             <a:r>
               <a:rPr lang="zh-CN" altLang="en-US"/>
               <a:t>论文召回</a:t>
             </a:r>
-            <a:endParaRPr lang="zh-CN" altLang="en-US"/>
           </a:p>
         </p:txBody>
       </p:sp>
@@ -10915,6 +10722,7 @@
         </p:style>
         <p:txBody>
           <a:bodyPr rtlCol="0" anchor="ctr"/>
+          <a:lstStyle/>
           <a:p>
             <a:pPr algn="ctr"/>
             <a:endParaRPr lang="zh-CN" altLang="en-US"/>
@@ -10941,12 +10749,12 @@
           <a:bodyPr wrap="none" rtlCol="0">
             <a:spAutoFit/>
           </a:bodyPr>
+          <a:lstStyle/>
           <a:p>
             <a:r>
               <a:rPr lang="zh-CN" altLang="en-US"/>
               <a:t>专家推荐</a:t>
             </a:r>
-            <a:endParaRPr lang="zh-CN" altLang="en-US"/>
           </a:p>
         </p:txBody>
       </p:sp>
@@ -10983,6 +10791,7 @@
         </p:style>
         <p:txBody>
           <a:bodyPr rtlCol="0" anchor="ctr"/>
+          <a:lstStyle/>
           <a:p>
             <a:pPr algn="ctr"/>
             <a:endParaRPr lang="zh-CN" altLang="en-US"/>
@@ -11022,6 +10831,7 @@
         </p:style>
         <p:txBody>
           <a:bodyPr rtlCol="0" anchor="ctr"/>
+          <a:lstStyle/>
           <a:p>
             <a:pPr algn="ctr"/>
             <a:endParaRPr lang="zh-CN" altLang="en-US">
@@ -11065,6 +10875,7 @@
         </p:style>
         <p:txBody>
           <a:bodyPr rtlCol="0" anchor="ctr"/>
+          <a:lstStyle/>
           <a:p>
             <a:pPr algn="ctr"/>
             <a:endParaRPr lang="zh-CN" altLang="en-US">
@@ -11108,6 +10919,7 @@
         </p:style>
         <p:txBody>
           <a:bodyPr rtlCol="0" anchor="ctr"/>
+          <a:lstStyle/>
           <a:p>
             <a:pPr algn="ctr"/>
             <a:endParaRPr lang="zh-CN" altLang="en-US"/>
@@ -11285,13 +11097,6 @@
                 </a:rPr>
                 <a:t>相关</a:t>
               </a:r>
-              <a:endParaRPr lang="zh-CN" altLang="en-US" sz="3200" b="1" kern="0" dirty="0">
-                <a:solidFill>
-                  <a:prstClr val="white"/>
-                </a:solidFill>
-                <a:latin typeface="Verdana" panose="020B0604030504040204"/>
-                <a:ea typeface="微软雅黑" panose="020B0503020204020204" pitchFamily="34" charset="-122"/>
-              </a:endParaRPr>
             </a:p>
           </p:txBody>
         </p:sp>
@@ -11538,13 +11343,6 @@
               </a:rPr>
               <a:t> 本周工作</a:t>
             </a:r>
-            <a:endParaRPr kumimoji="1" lang="zh-CN" altLang="en-US" sz="3200" b="1" dirty="0">
-              <a:solidFill>
-                <a:schemeClr val="tx2"/>
-              </a:solidFill>
-              <a:latin typeface="微软雅黑" panose="020B0503020204020204" pitchFamily="34" charset="-122"/>
-              <a:ea typeface="微软雅黑" panose="020B0503020204020204" pitchFamily="34" charset="-122"/>
-            </a:endParaRPr>
           </a:p>
         </p:txBody>
       </p:sp>
@@ -11557,7 +11355,7 @@
           <p:nvPr/>
         </p:nvPicPr>
         <p:blipFill>
-          <a:blip r:embed="rId1"/>
+          <a:blip r:embed="rId3"/>
           <a:stretch>
             <a:fillRect/>
           </a:stretch>
@@ -11633,11 +11431,6 @@
               </a:rPr>
               <a:t>模型进行专家推荐</a:t>
             </a:r>
-            <a:endParaRPr lang="zh-CN" altLang="en-US" sz="2400" b="1" dirty="0">
-              <a:latin typeface="+mn-ea"/>
-              <a:cs typeface="华光楷体一_CNKI" panose="02000500000000000000" charset="-122"/>
-              <a:sym typeface="+mn-ea"/>
-            </a:endParaRPr>
           </a:p>
         </p:txBody>
       </p:sp>
@@ -11726,11 +11519,6 @@
               </a:rPr>
               <a:t>推荐接口，并将接收到的若干个专家信息按下拉列表的形式展现</a:t>
             </a:r>
-            <a:endParaRPr lang="zh-CN" altLang="en-US" sz="2000" b="1" dirty="0">
-              <a:latin typeface="华文楷体" panose="02010600040101010101" charset="-122"/>
-              <a:ea typeface="华文楷体" panose="02010600040101010101" charset="-122"/>
-              <a:cs typeface="华文楷体" panose="02010600040101010101" charset="-122"/>
-            </a:endParaRPr>
           </a:p>
         </p:txBody>
       </p:sp>
@@ -11743,7 +11531,7 @@
           <p:nvPr/>
         </p:nvPicPr>
         <p:blipFill>
-          <a:blip r:embed="rId2"/>
+          <a:blip r:embed="rId4"/>
           <a:stretch>
             <a:fillRect/>
           </a:stretch>
@@ -11820,11 +11608,6 @@
               </a:rPr>
               <a:t>后续计划</a:t>
             </a:r>
-            <a:endParaRPr lang="zh-CN" altLang="en-US" sz="6000" b="1" dirty="0">
-              <a:latin typeface="微软雅黑" panose="020B0503020204020204" pitchFamily="34" charset="-122"/>
-              <a:ea typeface="微软雅黑" panose="020B0503020204020204" pitchFamily="34" charset="-122"/>
-              <a:cs typeface="Yuppy SC" panose="020F0603040207020204" pitchFamily="34" charset="-122"/>
-            </a:endParaRPr>
           </a:p>
         </p:txBody>
       </p:sp>
@@ -11837,7 +11620,7 @@
           <p:nvPr/>
         </p:nvPicPr>
         <p:blipFill>
-          <a:blip r:embed="rId1"/>
+          <a:blip r:embed="rId2"/>
           <a:stretch>
             <a:fillRect/>
           </a:stretch>
@@ -12693,7 +12476,7 @@
           <p:nvPr/>
         </p:nvPicPr>
         <p:blipFill>
-          <a:blip r:embed="rId2"/>
+          <a:blip r:embed="rId3"/>
           <a:stretch>
             <a:fillRect/>
           </a:stretch>
@@ -12720,14 +12503,14 @@
 </file>
 
 <file path=ppt/tags/tag1.xml><?xml version="1.0" encoding="utf-8"?>
-<p:tagLst xmlns:p="http://schemas.openxmlformats.org/presentationml/2006/main">
-  <p:tag name="KSO_WM_UNIT_PLACING_PICTURE_USER_VIEWPORT" val="{&quot;height&quot;:960,&quot;width&quot;:3900}"/>
+<p:tagLst xmlns:a="http://schemas.openxmlformats.org/drawingml/2006/main" xmlns:r="http://schemas.openxmlformats.org/officeDocument/2006/relationships" xmlns:p="http://schemas.openxmlformats.org/presentationml/2006/main">
+  <p:tag name="COMMONDATA" val="eyJoZGlkIjoiYTE5NTQ3ZmRiYmE4NDRlZTcyOTJlZmZmNzdmNDI0ZjcifQ=="/>
 </p:tagLst>
 </file>
 
 <file path=ppt/tags/tag2.xml><?xml version="1.0" encoding="utf-8"?>
-<p:tagLst xmlns:p="http://schemas.openxmlformats.org/presentationml/2006/main">
-  <p:tag name="COMMONDATA" val="eyJoZGlkIjoiYTE5NTQ3ZmRiYmE4NDRlZTcyOTJlZmZmNzdmNDI0ZjcifQ=="/>
+<p:tagLst xmlns:a="http://schemas.openxmlformats.org/drawingml/2006/main" xmlns:r="http://schemas.openxmlformats.org/officeDocument/2006/relationships" xmlns:p="http://schemas.openxmlformats.org/presentationml/2006/main">
+  <p:tag name="KSO_WM_UNIT_PLACING_PICTURE_USER_VIEWPORT" val="{&quot;height&quot;:960,&quot;width&quot;:3900}"/>
 </p:tagLst>
 </file>
 
@@ -12982,6 +12765,8 @@
       </a:bgFillStyleLst>
     </a:fmtScheme>
   </a:themeElements>
+  <a:objectDefaults/>
+  <a:extraClrSchemeLst/>
   <a:extLst>
     <a:ext uri="{05A4C25C-085E-4340-85A3-A5531E510DB2}">
       <thm15:themeFamily xmlns:thm15="http://schemas.microsoft.com/office/thememl/2012/main" name="Office Theme" id="{62F939B6-93AF-4DB8-9C6B-D6C7DFDC589F}" vid="{4A3C46E8-61CC-4603-A589-7422A47A8E4A}"/>
@@ -13241,6 +13026,8 @@
       </a:bgFillStyleLst>
     </a:fmtScheme>
   </a:themeElements>
+  <a:objectDefaults/>
+  <a:extraClrSchemeLst/>
   <a:extLst>
     <a:ext uri="{05A4C25C-085E-4340-85A3-A5531E510DB2}">
       <thm15:themeFamily xmlns:thm15="http://schemas.microsoft.com/office/thememl/2012/main" name="Office Theme" id="{62F939B6-93AF-4DB8-9C6B-D6C7DFDC589F}" vid="{4A3C46E8-61CC-4603-A589-7422A47A8E4A}"/>
